--- a/High Voltage Tower Conditions.pptx
+++ b/High Voltage Tower Conditions.pptx
@@ -5,10 +5,10 @@
     <p:sldMasterId id="2147483964" r:id="rId4"/>
   </p:sldMasterIdLst>
   <p:notesMasterIdLst>
-    <p:notesMasterId r:id="rId16"/>
+    <p:notesMasterId r:id="rId19"/>
   </p:notesMasterIdLst>
   <p:handoutMasterIdLst>
-    <p:handoutMasterId r:id="rId17"/>
+    <p:handoutMasterId r:id="rId20"/>
   </p:handoutMasterIdLst>
   <p:sldIdLst>
     <p:sldId id="296" r:id="rId5"/>
@@ -22,11 +22,14 @@
     <p:sldId id="2076136959" r:id="rId13"/>
     <p:sldId id="2076136954" r:id="rId14"/>
     <p:sldId id="2076136960" r:id="rId15"/>
+    <p:sldId id="2076136962" r:id="rId16"/>
+    <p:sldId id="2076136963" r:id="rId17"/>
+    <p:sldId id="2076136961" r:id="rId18"/>
   </p:sldIdLst>
   <p:sldSz cx="12192000" cy="6858000"/>
   <p:notesSz cx="6858000" cy="9144000"/>
   <p:custDataLst>
-    <p:tags r:id="rId18"/>
+    <p:tags r:id="rId21"/>
   </p:custDataLst>
   <p:defaultTextStyle>
     <a:defPPr>
@@ -266,7 +269,7 @@
             <a:fld id="{86C988DC-9DE3-4390-97AB-D61B85DACE57}" type="datetimeFigureOut">
               <a:rPr lang="pt-PT" sz="900" smtClean="0"/>
               <a:pPr/>
-              <a:t>28/03/2024</a:t>
+              <a:t>29/03/2024</a:t>
             </a:fld>
             <a:endParaRPr lang="pt-PT" sz="900"/>
           </a:p>
@@ -445,7 +448,7 @@
             <a:fld id="{0835B8F7-DAC4-4931-8AED-4356A8B2FD64}" type="datetimeFigureOut">
               <a:rPr lang="pt-BR" smtClean="0"/>
               <a:pPr/>
-              <a:t>28/03/2024</a:t>
+              <a:t>29/03/2024</a:t>
             </a:fld>
             <a:endParaRPr lang="pt-BR"/>
           </a:p>
@@ -19990,7 +19993,7 @@
                   <a:schemeClr val="bg1"/>
                 </a:solidFill>
               </a:rPr>
-              <a:t>7</a:t>
+              <a:t>8</a:t>
             </a:r>
             <a:r>
               <a:rPr lang="en-BE" dirty="0">
@@ -20016,11 +20019,14 @@
               </a:rPr>
               <a:t>Questions</a:t>
             </a:r>
-            <a:endParaRPr lang="nl-BE" dirty="0">
-              <a:solidFill>
-                <a:schemeClr val="bg1"/>
-              </a:solidFill>
-            </a:endParaRPr>
+            <a:r>
+              <a:rPr lang="nl-BE" dirty="0">
+                <a:solidFill>
+                  <a:schemeClr val="bg1"/>
+                </a:solidFill>
+              </a:rPr>
+              <a:t>: environment</a:t>
+            </a:r>
           </a:p>
         </p:txBody>
       </p:sp>
@@ -20280,6 +20286,387 @@
               <a:buChar char="•"/>
             </a:pPr>
             <a:r>
+              <a:rPr lang="en-US" dirty="0">
+                <a:solidFill>
+                  <a:srgbClr val="0D0D0D"/>
+                </a:solidFill>
+                <a:latin typeface="Söhne"/>
+              </a:rPr>
+              <a:t>It runs locally with GPU @Steven, so do we need VSC?</a:t>
+            </a:r>
+          </a:p>
+          <a:p>
+            <a:pPr marL="342900" indent="-342900" algn="l">
+              <a:buFont typeface="Arial" panose="020B0604020202020204" pitchFamily="34" charset="0"/>
+              <a:buChar char="•"/>
+            </a:pPr>
+            <a:r>
+              <a:rPr lang="en-US" b="0" i="0" dirty="0">
+                <a:solidFill>
+                  <a:srgbClr val="0D0D0D"/>
+                </a:solidFill>
+                <a:effectLst/>
+                <a:latin typeface="Söhne"/>
+              </a:rPr>
+              <a:t>Alternative is Google drive with </a:t>
+            </a:r>
+            <a:r>
+              <a:rPr lang="en-US" b="0" i="0" dirty="0" err="1">
+                <a:solidFill>
+                  <a:srgbClr val="0D0D0D"/>
+                </a:solidFill>
+                <a:effectLst/>
+                <a:latin typeface="Söhne"/>
+              </a:rPr>
+              <a:t>GoogleColab</a:t>
+            </a:r>
+            <a:br>
+              <a:rPr lang="en-US" b="0" i="0" dirty="0">
+                <a:solidFill>
+                  <a:srgbClr val="0D0D0D"/>
+                </a:solidFill>
+                <a:effectLst/>
+                <a:latin typeface="Söhne"/>
+              </a:rPr>
+            </a:br>
+            <a:r>
+              <a:rPr lang="nl-BE" dirty="0"/>
+              <a:t> </a:t>
+            </a:r>
+          </a:p>
+        </p:txBody>
+      </p:sp>
+    </p:spTree>
+    <p:extLst>
+      <p:ext uri="{BB962C8B-B14F-4D97-AF65-F5344CB8AC3E}">
+        <p14:creationId xmlns:p14="http://schemas.microsoft.com/office/powerpoint/2010/main" val="1542536100"/>
+      </p:ext>
+    </p:extLst>
+  </p:cSld>
+  <p:clrMapOvr>
+    <a:masterClrMapping/>
+  </p:clrMapOvr>
+</p:sld>
+</file>
+
+<file path=ppt/slides/slide12.xml><?xml version="1.0" encoding="utf-8"?>
+<p:sld xmlns:a="http://schemas.openxmlformats.org/drawingml/2006/main" xmlns:r="http://schemas.openxmlformats.org/officeDocument/2006/relationships" xmlns:p="http://schemas.openxmlformats.org/presentationml/2006/main">
+  <p:cSld>
+    <p:spTree>
+      <p:nvGrpSpPr>
+        <p:cNvPr id="1" name=""/>
+        <p:cNvGrpSpPr/>
+        <p:nvPr/>
+      </p:nvGrpSpPr>
+      <p:grpSpPr>
+        <a:xfrm>
+          <a:off x="0" y="0"/>
+          <a:ext cx="0" cy="0"/>
+          <a:chOff x="0" y="0"/>
+          <a:chExt cx="0" cy="0"/>
+        </a:xfrm>
+      </p:grpSpPr>
+      <p:sp>
+        <p:nvSpPr>
+          <p:cNvPr id="2" name="Title 1">
+            <a:extLst>
+              <a:ext uri="{FF2B5EF4-FFF2-40B4-BE49-F238E27FC236}">
+                <a16:creationId xmlns:a16="http://schemas.microsoft.com/office/drawing/2014/main" id="{7DAAD1C6-EC0B-1833-07E9-D0D477895D5E}"/>
+              </a:ext>
+            </a:extLst>
+          </p:cNvPr>
+          <p:cNvSpPr>
+            <a:spLocks noGrp="1"/>
+          </p:cNvSpPr>
+          <p:nvPr>
+            <p:ph type="title"/>
+          </p:nvPr>
+        </p:nvSpPr>
+        <p:spPr>
+          <a:xfrm>
+            <a:off x="111279" y="34290"/>
+            <a:ext cx="6816743" cy="482241"/>
+          </a:xfrm>
+        </p:spPr>
+        <p:txBody>
+          <a:bodyPr/>
+          <a:lstStyle/>
+          <a:p>
+            <a:r>
+              <a:rPr lang="en-BE" dirty="0">
+                <a:solidFill>
+                  <a:schemeClr val="bg1"/>
+                </a:solidFill>
+              </a:rPr>
+              <a:t>   </a:t>
+            </a:r>
+            <a:r>
+              <a:rPr lang="nl-BE" dirty="0">
+                <a:solidFill>
+                  <a:schemeClr val="bg1"/>
+                </a:solidFill>
+              </a:rPr>
+              <a:t>8</a:t>
+            </a:r>
+            <a:r>
+              <a:rPr lang="en-BE" dirty="0">
+                <a:solidFill>
+                  <a:schemeClr val="bg1"/>
+                </a:solidFill>
+              </a:rPr>
+              <a:t>. </a:t>
+            </a:r>
+            <a:r>
+              <a:rPr lang="nl-BE" dirty="0">
+                <a:solidFill>
+                  <a:schemeClr val="bg1"/>
+                </a:solidFill>
+              </a:rPr>
+              <a:t>Open </a:t>
+            </a:r>
+            <a:r>
+              <a:rPr lang="nl-BE" dirty="0" err="1">
+                <a:solidFill>
+                  <a:schemeClr val="bg1"/>
+                </a:solidFill>
+              </a:rPr>
+              <a:t>Questions</a:t>
+            </a:r>
+            <a:r>
+              <a:rPr lang="nl-BE" dirty="0">
+                <a:solidFill>
+                  <a:schemeClr val="bg1"/>
+                </a:solidFill>
+              </a:rPr>
+              <a:t>: Dataset</a:t>
+            </a:r>
+          </a:p>
+        </p:txBody>
+      </p:sp>
+      <p:sp>
+        <p:nvSpPr>
+          <p:cNvPr id="3" name="Tijdelijke aanduiding voor inhoud 2">
+            <a:extLst>
+              <a:ext uri="{FF2B5EF4-FFF2-40B4-BE49-F238E27FC236}">
+                <a16:creationId xmlns:a16="http://schemas.microsoft.com/office/drawing/2014/main" id="{F1092799-D430-7E02-F377-1AEA93613EC7}"/>
+              </a:ext>
+            </a:extLst>
+          </p:cNvPr>
+          <p:cNvSpPr txBox="1">
+            <a:spLocks/>
+          </p:cNvSpPr>
+          <p:nvPr/>
+        </p:nvSpPr>
+        <p:spPr>
+          <a:xfrm>
+            <a:off x="625956" y="1703693"/>
+            <a:ext cx="10932770" cy="4386389"/>
+          </a:xfrm>
+          <a:prstGeom prst="rect">
+            <a:avLst/>
+          </a:prstGeom>
+        </p:spPr>
+        <p:txBody>
+          <a:bodyPr>
+            <a:normAutofit/>
+          </a:bodyPr>
+          <a:lstStyle>
+            <a:lvl1pPr marL="0" indent="0" algn="l" defTabSz="914400" rtl="0" eaLnBrk="1" latinLnBrk="0" hangingPunct="1">
+              <a:lnSpc>
+                <a:spcPct val="100000"/>
+              </a:lnSpc>
+              <a:spcBef>
+                <a:spcPts val="0"/>
+              </a:spcBef>
+              <a:spcAft>
+                <a:spcPts val="600"/>
+              </a:spcAft>
+              <a:buFont typeface="Arial" panose="020B0604020202020204" pitchFamily="34" charset="0"/>
+              <a:buNone/>
+              <a:defRPr sz="2000" kern="1200" baseline="0">
+                <a:solidFill>
+                  <a:schemeClr val="tx1"/>
+                </a:solidFill>
+                <a:latin typeface="+mn-lt"/>
+                <a:ea typeface="+mn-ea"/>
+                <a:cs typeface="+mn-cs"/>
+              </a:defRPr>
+            </a:lvl1pPr>
+            <a:lvl2pPr marL="177800" indent="-177800" algn="l" defTabSz="914400" rtl="0" eaLnBrk="1" latinLnBrk="0" hangingPunct="1">
+              <a:lnSpc>
+                <a:spcPct val="100000"/>
+              </a:lnSpc>
+              <a:spcBef>
+                <a:spcPts val="0"/>
+              </a:spcBef>
+              <a:spcAft>
+                <a:spcPts val="600"/>
+              </a:spcAft>
+              <a:buClr>
+                <a:schemeClr val="accent1"/>
+              </a:buClr>
+              <a:buFont typeface="Wingdings" panose="05000000000000000000" pitchFamily="2" charset="2"/>
+              <a:buChar char="§"/>
+              <a:defRPr sz="1800" kern="1200" baseline="0">
+                <a:solidFill>
+                  <a:schemeClr val="tx1"/>
+                </a:solidFill>
+                <a:latin typeface="+mn-lt"/>
+                <a:ea typeface="+mn-ea"/>
+                <a:cs typeface="+mn-cs"/>
+              </a:defRPr>
+            </a:lvl2pPr>
+            <a:lvl3pPr marL="361950" indent="-184150" algn="l" defTabSz="914400" rtl="0" eaLnBrk="1" latinLnBrk="0" hangingPunct="1">
+              <a:lnSpc>
+                <a:spcPct val="100000"/>
+              </a:lnSpc>
+              <a:spcBef>
+                <a:spcPts val="0"/>
+              </a:spcBef>
+              <a:spcAft>
+                <a:spcPts val="600"/>
+              </a:spcAft>
+              <a:buClr>
+                <a:schemeClr val="accent2"/>
+              </a:buClr>
+              <a:buFont typeface="Arial" panose="020B0604020202020204" pitchFamily="34" charset="0"/>
+              <a:buChar char="•"/>
+              <a:defRPr sz="1600" kern="1200" baseline="0">
+                <a:solidFill>
+                  <a:schemeClr val="tx1"/>
+                </a:solidFill>
+                <a:latin typeface="+mn-lt"/>
+                <a:ea typeface="+mn-ea"/>
+                <a:cs typeface="+mn-cs"/>
+              </a:defRPr>
+            </a:lvl3pPr>
+            <a:lvl4pPr marL="539750" indent="-177800" algn="l" defTabSz="914400" rtl="0" eaLnBrk="1" latinLnBrk="0" hangingPunct="1">
+              <a:lnSpc>
+                <a:spcPct val="100000"/>
+              </a:lnSpc>
+              <a:spcBef>
+                <a:spcPts val="0"/>
+              </a:spcBef>
+              <a:spcAft>
+                <a:spcPts val="600"/>
+              </a:spcAft>
+              <a:buClr>
+                <a:schemeClr val="tx1"/>
+              </a:buClr>
+              <a:buFont typeface="Ubuntu" panose="020B0504030602030204" pitchFamily="34" charset="0"/>
+              <a:buChar char="–"/>
+              <a:defRPr sz="1400" kern="1200" baseline="0">
+                <a:solidFill>
+                  <a:schemeClr val="tx1"/>
+                </a:solidFill>
+                <a:latin typeface="+mn-lt"/>
+                <a:ea typeface="+mn-ea"/>
+                <a:cs typeface="+mn-cs"/>
+              </a:defRPr>
+            </a:lvl4pPr>
+            <a:lvl5pPr marL="717550" indent="-177800" algn="l" defTabSz="914400" rtl="0" eaLnBrk="1" latinLnBrk="0" hangingPunct="1">
+              <a:lnSpc>
+                <a:spcPct val="100000"/>
+              </a:lnSpc>
+              <a:spcBef>
+                <a:spcPts val="0"/>
+              </a:spcBef>
+              <a:spcAft>
+                <a:spcPts val="600"/>
+              </a:spcAft>
+              <a:buClr>
+                <a:schemeClr val="accent3"/>
+              </a:buClr>
+              <a:buFont typeface="Arial" panose="020B0604020202020204" pitchFamily="34" charset="0"/>
+              <a:buChar char="•"/>
+              <a:defRPr sz="1400" kern="1200" baseline="0">
+                <a:solidFill>
+                  <a:schemeClr val="tx1"/>
+                </a:solidFill>
+                <a:latin typeface="+mn-lt"/>
+                <a:ea typeface="+mn-ea"/>
+                <a:cs typeface="+mn-cs"/>
+              </a:defRPr>
+            </a:lvl5pPr>
+            <a:lvl6pPr marL="2514600" indent="-228600" algn="l" defTabSz="914400" rtl="0" eaLnBrk="1" latinLnBrk="0" hangingPunct="1">
+              <a:lnSpc>
+                <a:spcPct val="90000"/>
+              </a:lnSpc>
+              <a:spcBef>
+                <a:spcPts val="500"/>
+              </a:spcBef>
+              <a:buFont typeface="Arial" panose="020B0604020202020204" pitchFamily="34" charset="0"/>
+              <a:buChar char="•"/>
+              <a:defRPr sz="1800" kern="1200">
+                <a:solidFill>
+                  <a:schemeClr val="tx1"/>
+                </a:solidFill>
+                <a:latin typeface="+mn-lt"/>
+                <a:ea typeface="+mn-ea"/>
+                <a:cs typeface="+mn-cs"/>
+              </a:defRPr>
+            </a:lvl6pPr>
+            <a:lvl7pPr marL="2971800" indent="-228600" algn="l" defTabSz="914400" rtl="0" eaLnBrk="1" latinLnBrk="0" hangingPunct="1">
+              <a:lnSpc>
+                <a:spcPct val="90000"/>
+              </a:lnSpc>
+              <a:spcBef>
+                <a:spcPts val="500"/>
+              </a:spcBef>
+              <a:buFont typeface="Arial" panose="020B0604020202020204" pitchFamily="34" charset="0"/>
+              <a:buChar char="•"/>
+              <a:defRPr sz="1800" kern="1200">
+                <a:solidFill>
+                  <a:schemeClr val="tx1"/>
+                </a:solidFill>
+                <a:latin typeface="+mn-lt"/>
+                <a:ea typeface="+mn-ea"/>
+                <a:cs typeface="+mn-cs"/>
+              </a:defRPr>
+            </a:lvl7pPr>
+            <a:lvl8pPr marL="3429000" indent="-228600" algn="l" defTabSz="914400" rtl="0" eaLnBrk="1" latinLnBrk="0" hangingPunct="1">
+              <a:lnSpc>
+                <a:spcPct val="90000"/>
+              </a:lnSpc>
+              <a:spcBef>
+                <a:spcPts val="500"/>
+              </a:spcBef>
+              <a:buFont typeface="Arial" panose="020B0604020202020204" pitchFamily="34" charset="0"/>
+              <a:buChar char="•"/>
+              <a:defRPr sz="1800" kern="1200">
+                <a:solidFill>
+                  <a:schemeClr val="tx1"/>
+                </a:solidFill>
+                <a:latin typeface="+mn-lt"/>
+                <a:ea typeface="+mn-ea"/>
+                <a:cs typeface="+mn-cs"/>
+              </a:defRPr>
+            </a:lvl8pPr>
+            <a:lvl9pPr marL="3886200" indent="-228600" algn="l" defTabSz="914400" rtl="0" eaLnBrk="1" latinLnBrk="0" hangingPunct="1">
+              <a:lnSpc>
+                <a:spcPct val="90000"/>
+              </a:lnSpc>
+              <a:spcBef>
+                <a:spcPts val="500"/>
+              </a:spcBef>
+              <a:buFont typeface="Arial" panose="020B0604020202020204" pitchFamily="34" charset="0"/>
+              <a:buChar char="•"/>
+              <a:defRPr sz="1800" kern="1200">
+                <a:solidFill>
+                  <a:schemeClr val="tx1"/>
+                </a:solidFill>
+                <a:latin typeface="+mn-lt"/>
+                <a:ea typeface="+mn-ea"/>
+                <a:cs typeface="+mn-cs"/>
+              </a:defRPr>
+            </a:lvl9pPr>
+          </a:lstStyle>
+          <a:p>
+            <a:pPr marL="342900" indent="-342900" algn="l">
+              <a:buFont typeface="Arial" panose="020B0604020202020204" pitchFamily="34" charset="0"/>
+              <a:buChar char="•"/>
+            </a:pPr>
+            <a:r>
               <a:rPr lang="en-US" b="0" i="0" dirty="0">
                 <a:solidFill>
                   <a:srgbClr val="0D0D0D"/>
@@ -20451,6 +20838,37 @@
             </a:r>
           </a:p>
           <a:p>
+            <a:pPr marL="342900" indent="-342900" algn="l">
+              <a:buFont typeface="Arial" panose="020B0604020202020204" pitchFamily="34" charset="0"/>
+              <a:buChar char="•"/>
+            </a:pPr>
+            <a:r>
+              <a:rPr lang="en-US" dirty="0" err="1">
+                <a:solidFill>
+                  <a:srgbClr val="FF0000"/>
+                </a:solidFill>
+                <a:latin typeface="Söhne"/>
+              </a:rPr>
+              <a:t>Bbox</a:t>
+            </a:r>
+            <a:r>
+              <a:rPr lang="en-US" dirty="0">
+                <a:solidFill>
+                  <a:srgbClr val="FF0000"/>
+                </a:solidFill>
+                <a:latin typeface="Söhne"/>
+              </a:rPr>
+              <a:t> coordinates are not correct nor consistent</a:t>
+            </a:r>
+            <a:endParaRPr lang="en-US" b="0" i="0" dirty="0">
+              <a:solidFill>
+                <a:srgbClr val="FF0000"/>
+              </a:solidFill>
+              <a:effectLst/>
+              <a:latin typeface="Söhne"/>
+            </a:endParaRPr>
+          </a:p>
+          <a:p>
             <a:r>
               <a:rPr lang="nl-BE" dirty="0"/>
               <a:t> </a:t>
@@ -20461,7 +20879,1144 @@
     </p:spTree>
     <p:extLst>
       <p:ext uri="{BB962C8B-B14F-4D97-AF65-F5344CB8AC3E}">
-        <p14:creationId xmlns:p14="http://schemas.microsoft.com/office/powerpoint/2010/main" val="1542536100"/>
+        <p14:creationId xmlns:p14="http://schemas.microsoft.com/office/powerpoint/2010/main" val="1166605055"/>
+      </p:ext>
+    </p:extLst>
+  </p:cSld>
+  <p:clrMapOvr>
+    <a:masterClrMapping/>
+  </p:clrMapOvr>
+</p:sld>
+</file>
+
+<file path=ppt/slides/slide13.xml><?xml version="1.0" encoding="utf-8"?>
+<p:sld xmlns:a="http://schemas.openxmlformats.org/drawingml/2006/main" xmlns:r="http://schemas.openxmlformats.org/officeDocument/2006/relationships" xmlns:p="http://schemas.openxmlformats.org/presentationml/2006/main">
+  <p:cSld>
+    <p:spTree>
+      <p:nvGrpSpPr>
+        <p:cNvPr id="1" name=""/>
+        <p:cNvGrpSpPr/>
+        <p:nvPr/>
+      </p:nvGrpSpPr>
+      <p:grpSpPr>
+        <a:xfrm>
+          <a:off x="0" y="0"/>
+          <a:ext cx="0" cy="0"/>
+          <a:chOff x="0" y="0"/>
+          <a:chExt cx="0" cy="0"/>
+        </a:xfrm>
+      </p:grpSpPr>
+      <p:sp>
+        <p:nvSpPr>
+          <p:cNvPr id="2" name="Title 1">
+            <a:extLst>
+              <a:ext uri="{FF2B5EF4-FFF2-40B4-BE49-F238E27FC236}">
+                <a16:creationId xmlns:a16="http://schemas.microsoft.com/office/drawing/2014/main" id="{7DAAD1C6-EC0B-1833-07E9-D0D477895D5E}"/>
+              </a:ext>
+            </a:extLst>
+          </p:cNvPr>
+          <p:cNvSpPr>
+            <a:spLocks noGrp="1"/>
+          </p:cNvSpPr>
+          <p:nvPr>
+            <p:ph type="title"/>
+          </p:nvPr>
+        </p:nvSpPr>
+        <p:spPr>
+          <a:xfrm>
+            <a:off x="111279" y="34290"/>
+            <a:ext cx="6816743" cy="482241"/>
+          </a:xfrm>
+        </p:spPr>
+        <p:txBody>
+          <a:bodyPr/>
+          <a:lstStyle/>
+          <a:p>
+            <a:r>
+              <a:rPr lang="en-BE" dirty="0">
+                <a:solidFill>
+                  <a:schemeClr val="bg1"/>
+                </a:solidFill>
+              </a:rPr>
+              <a:t>   </a:t>
+            </a:r>
+            <a:r>
+              <a:rPr lang="nl-BE" dirty="0">
+                <a:solidFill>
+                  <a:schemeClr val="bg1"/>
+                </a:solidFill>
+              </a:rPr>
+              <a:t>8</a:t>
+            </a:r>
+            <a:r>
+              <a:rPr lang="en-BE" dirty="0">
+                <a:solidFill>
+                  <a:schemeClr val="bg1"/>
+                </a:solidFill>
+              </a:rPr>
+              <a:t>. </a:t>
+            </a:r>
+            <a:r>
+              <a:rPr lang="nl-BE" dirty="0">
+                <a:solidFill>
+                  <a:schemeClr val="bg1"/>
+                </a:solidFill>
+              </a:rPr>
+              <a:t>Open </a:t>
+            </a:r>
+            <a:r>
+              <a:rPr lang="nl-BE" dirty="0" err="1">
+                <a:solidFill>
+                  <a:schemeClr val="bg1"/>
+                </a:solidFill>
+              </a:rPr>
+              <a:t>Questions</a:t>
+            </a:r>
+            <a:r>
+              <a:rPr lang="nl-BE" dirty="0">
+                <a:solidFill>
+                  <a:schemeClr val="bg1"/>
+                </a:solidFill>
+              </a:rPr>
+              <a:t>: </a:t>
+            </a:r>
+            <a:r>
+              <a:rPr lang="nl-BE" dirty="0" err="1">
+                <a:solidFill>
+                  <a:schemeClr val="bg1"/>
+                </a:solidFill>
+              </a:rPr>
+              <a:t>Coding</a:t>
+            </a:r>
+            <a:endParaRPr lang="nl-BE" dirty="0">
+              <a:solidFill>
+                <a:schemeClr val="bg1"/>
+              </a:solidFill>
+            </a:endParaRPr>
+          </a:p>
+        </p:txBody>
+      </p:sp>
+      <p:sp>
+        <p:nvSpPr>
+          <p:cNvPr id="3" name="Tijdelijke aanduiding voor inhoud 2">
+            <a:extLst>
+              <a:ext uri="{FF2B5EF4-FFF2-40B4-BE49-F238E27FC236}">
+                <a16:creationId xmlns:a16="http://schemas.microsoft.com/office/drawing/2014/main" id="{F1092799-D430-7E02-F377-1AEA93613EC7}"/>
+              </a:ext>
+            </a:extLst>
+          </p:cNvPr>
+          <p:cNvSpPr txBox="1">
+            <a:spLocks/>
+          </p:cNvSpPr>
+          <p:nvPr/>
+        </p:nvSpPr>
+        <p:spPr>
+          <a:xfrm>
+            <a:off x="625956" y="1703693"/>
+            <a:ext cx="10932770" cy="4386389"/>
+          </a:xfrm>
+          <a:prstGeom prst="rect">
+            <a:avLst/>
+          </a:prstGeom>
+        </p:spPr>
+        <p:txBody>
+          <a:bodyPr>
+            <a:normAutofit/>
+          </a:bodyPr>
+          <a:lstStyle>
+            <a:lvl1pPr marL="0" indent="0" algn="l" defTabSz="914400" rtl="0" eaLnBrk="1" latinLnBrk="0" hangingPunct="1">
+              <a:lnSpc>
+                <a:spcPct val="100000"/>
+              </a:lnSpc>
+              <a:spcBef>
+                <a:spcPts val="0"/>
+              </a:spcBef>
+              <a:spcAft>
+                <a:spcPts val="600"/>
+              </a:spcAft>
+              <a:buFont typeface="Arial" panose="020B0604020202020204" pitchFamily="34" charset="0"/>
+              <a:buNone/>
+              <a:defRPr sz="2000" kern="1200" baseline="0">
+                <a:solidFill>
+                  <a:schemeClr val="tx1"/>
+                </a:solidFill>
+                <a:latin typeface="+mn-lt"/>
+                <a:ea typeface="+mn-ea"/>
+                <a:cs typeface="+mn-cs"/>
+              </a:defRPr>
+            </a:lvl1pPr>
+            <a:lvl2pPr marL="177800" indent="-177800" algn="l" defTabSz="914400" rtl="0" eaLnBrk="1" latinLnBrk="0" hangingPunct="1">
+              <a:lnSpc>
+                <a:spcPct val="100000"/>
+              </a:lnSpc>
+              <a:spcBef>
+                <a:spcPts val="0"/>
+              </a:spcBef>
+              <a:spcAft>
+                <a:spcPts val="600"/>
+              </a:spcAft>
+              <a:buClr>
+                <a:schemeClr val="accent1"/>
+              </a:buClr>
+              <a:buFont typeface="Wingdings" panose="05000000000000000000" pitchFamily="2" charset="2"/>
+              <a:buChar char="§"/>
+              <a:defRPr sz="1800" kern="1200" baseline="0">
+                <a:solidFill>
+                  <a:schemeClr val="tx1"/>
+                </a:solidFill>
+                <a:latin typeface="+mn-lt"/>
+                <a:ea typeface="+mn-ea"/>
+                <a:cs typeface="+mn-cs"/>
+              </a:defRPr>
+            </a:lvl2pPr>
+            <a:lvl3pPr marL="361950" indent="-184150" algn="l" defTabSz="914400" rtl="0" eaLnBrk="1" latinLnBrk="0" hangingPunct="1">
+              <a:lnSpc>
+                <a:spcPct val="100000"/>
+              </a:lnSpc>
+              <a:spcBef>
+                <a:spcPts val="0"/>
+              </a:spcBef>
+              <a:spcAft>
+                <a:spcPts val="600"/>
+              </a:spcAft>
+              <a:buClr>
+                <a:schemeClr val="accent2"/>
+              </a:buClr>
+              <a:buFont typeface="Arial" panose="020B0604020202020204" pitchFamily="34" charset="0"/>
+              <a:buChar char="•"/>
+              <a:defRPr sz="1600" kern="1200" baseline="0">
+                <a:solidFill>
+                  <a:schemeClr val="tx1"/>
+                </a:solidFill>
+                <a:latin typeface="+mn-lt"/>
+                <a:ea typeface="+mn-ea"/>
+                <a:cs typeface="+mn-cs"/>
+              </a:defRPr>
+            </a:lvl3pPr>
+            <a:lvl4pPr marL="539750" indent="-177800" algn="l" defTabSz="914400" rtl="0" eaLnBrk="1" latinLnBrk="0" hangingPunct="1">
+              <a:lnSpc>
+                <a:spcPct val="100000"/>
+              </a:lnSpc>
+              <a:spcBef>
+                <a:spcPts val="0"/>
+              </a:spcBef>
+              <a:spcAft>
+                <a:spcPts val="600"/>
+              </a:spcAft>
+              <a:buClr>
+                <a:schemeClr val="tx1"/>
+              </a:buClr>
+              <a:buFont typeface="Ubuntu" panose="020B0504030602030204" pitchFamily="34" charset="0"/>
+              <a:buChar char="–"/>
+              <a:defRPr sz="1400" kern="1200" baseline="0">
+                <a:solidFill>
+                  <a:schemeClr val="tx1"/>
+                </a:solidFill>
+                <a:latin typeface="+mn-lt"/>
+                <a:ea typeface="+mn-ea"/>
+                <a:cs typeface="+mn-cs"/>
+              </a:defRPr>
+            </a:lvl4pPr>
+            <a:lvl5pPr marL="717550" indent="-177800" algn="l" defTabSz="914400" rtl="0" eaLnBrk="1" latinLnBrk="0" hangingPunct="1">
+              <a:lnSpc>
+                <a:spcPct val="100000"/>
+              </a:lnSpc>
+              <a:spcBef>
+                <a:spcPts val="0"/>
+              </a:spcBef>
+              <a:spcAft>
+                <a:spcPts val="600"/>
+              </a:spcAft>
+              <a:buClr>
+                <a:schemeClr val="accent3"/>
+              </a:buClr>
+              <a:buFont typeface="Arial" panose="020B0604020202020204" pitchFamily="34" charset="0"/>
+              <a:buChar char="•"/>
+              <a:defRPr sz="1400" kern="1200" baseline="0">
+                <a:solidFill>
+                  <a:schemeClr val="tx1"/>
+                </a:solidFill>
+                <a:latin typeface="+mn-lt"/>
+                <a:ea typeface="+mn-ea"/>
+                <a:cs typeface="+mn-cs"/>
+              </a:defRPr>
+            </a:lvl5pPr>
+            <a:lvl6pPr marL="2514600" indent="-228600" algn="l" defTabSz="914400" rtl="0" eaLnBrk="1" latinLnBrk="0" hangingPunct="1">
+              <a:lnSpc>
+                <a:spcPct val="90000"/>
+              </a:lnSpc>
+              <a:spcBef>
+                <a:spcPts val="500"/>
+              </a:spcBef>
+              <a:buFont typeface="Arial" panose="020B0604020202020204" pitchFamily="34" charset="0"/>
+              <a:buChar char="•"/>
+              <a:defRPr sz="1800" kern="1200">
+                <a:solidFill>
+                  <a:schemeClr val="tx1"/>
+                </a:solidFill>
+                <a:latin typeface="+mn-lt"/>
+                <a:ea typeface="+mn-ea"/>
+                <a:cs typeface="+mn-cs"/>
+              </a:defRPr>
+            </a:lvl6pPr>
+            <a:lvl7pPr marL="2971800" indent="-228600" algn="l" defTabSz="914400" rtl="0" eaLnBrk="1" latinLnBrk="0" hangingPunct="1">
+              <a:lnSpc>
+                <a:spcPct val="90000"/>
+              </a:lnSpc>
+              <a:spcBef>
+                <a:spcPts val="500"/>
+              </a:spcBef>
+              <a:buFont typeface="Arial" panose="020B0604020202020204" pitchFamily="34" charset="0"/>
+              <a:buChar char="•"/>
+              <a:defRPr sz="1800" kern="1200">
+                <a:solidFill>
+                  <a:schemeClr val="tx1"/>
+                </a:solidFill>
+                <a:latin typeface="+mn-lt"/>
+                <a:ea typeface="+mn-ea"/>
+                <a:cs typeface="+mn-cs"/>
+              </a:defRPr>
+            </a:lvl7pPr>
+            <a:lvl8pPr marL="3429000" indent="-228600" algn="l" defTabSz="914400" rtl="0" eaLnBrk="1" latinLnBrk="0" hangingPunct="1">
+              <a:lnSpc>
+                <a:spcPct val="90000"/>
+              </a:lnSpc>
+              <a:spcBef>
+                <a:spcPts val="500"/>
+              </a:spcBef>
+              <a:buFont typeface="Arial" panose="020B0604020202020204" pitchFamily="34" charset="0"/>
+              <a:buChar char="•"/>
+              <a:defRPr sz="1800" kern="1200">
+                <a:solidFill>
+                  <a:schemeClr val="tx1"/>
+                </a:solidFill>
+                <a:latin typeface="+mn-lt"/>
+                <a:ea typeface="+mn-ea"/>
+                <a:cs typeface="+mn-cs"/>
+              </a:defRPr>
+            </a:lvl8pPr>
+            <a:lvl9pPr marL="3886200" indent="-228600" algn="l" defTabSz="914400" rtl="0" eaLnBrk="1" latinLnBrk="0" hangingPunct="1">
+              <a:lnSpc>
+                <a:spcPct val="90000"/>
+              </a:lnSpc>
+              <a:spcBef>
+                <a:spcPts val="500"/>
+              </a:spcBef>
+              <a:buFont typeface="Arial" panose="020B0604020202020204" pitchFamily="34" charset="0"/>
+              <a:buChar char="•"/>
+              <a:defRPr sz="1800" kern="1200">
+                <a:solidFill>
+                  <a:schemeClr val="tx1"/>
+                </a:solidFill>
+                <a:latin typeface="+mn-lt"/>
+                <a:ea typeface="+mn-ea"/>
+                <a:cs typeface="+mn-cs"/>
+              </a:defRPr>
+            </a:lvl9pPr>
+          </a:lstStyle>
+          <a:p>
+            <a:pPr marL="342900" indent="-342900" algn="l">
+              <a:buFont typeface="Arial" panose="020B0604020202020204" pitchFamily="34" charset="0"/>
+              <a:buChar char="•"/>
+            </a:pPr>
+            <a:r>
+              <a:rPr lang="en-US" dirty="0" err="1">
+                <a:solidFill>
+                  <a:srgbClr val="0D0D0D"/>
+                </a:solidFill>
+                <a:latin typeface="Söhne"/>
+              </a:rPr>
+              <a:t>Pytorch</a:t>
+            </a:r>
+            <a:r>
+              <a:rPr lang="en-US" dirty="0">
+                <a:solidFill>
+                  <a:srgbClr val="0D0D0D"/>
+                </a:solidFill>
+                <a:latin typeface="Söhne"/>
+              </a:rPr>
+              <a:t> dataset: What is the area used for?</a:t>
+            </a:r>
+          </a:p>
+          <a:p>
+            <a:pPr marL="342900" indent="-342900">
+              <a:buFont typeface="Arial" panose="020B0604020202020204" pitchFamily="34" charset="0"/>
+              <a:buChar char="•"/>
+            </a:pPr>
+            <a:r>
+              <a:rPr lang="en-US" dirty="0">
+                <a:solidFill>
+                  <a:srgbClr val="0D0D0D"/>
+                </a:solidFill>
+                <a:latin typeface="Söhne"/>
+              </a:rPr>
+              <a:t>How to split the data in Training and Test set?  </a:t>
+            </a:r>
+            <a:r>
+              <a:rPr lang="en-US" dirty="0">
+                <a:solidFill>
+                  <a:srgbClr val="0D0D0D"/>
+                </a:solidFill>
+                <a:latin typeface="Söhne"/>
+                <a:sym typeface="Wingdings" panose="05000000000000000000" pitchFamily="2" charset="2"/>
+              </a:rPr>
+              <a:t> </a:t>
+            </a:r>
+            <a:r>
+              <a:rPr lang="nl-BE" b="0" i="0" dirty="0" err="1">
+                <a:solidFill>
+                  <a:srgbClr val="E83E8C"/>
+                </a:solidFill>
+                <a:effectLst/>
+                <a:latin typeface="Courier New" panose="02070309020205020404" pitchFamily="49" charset="0"/>
+              </a:rPr>
+              <a:t>torch.utils.data</a:t>
+            </a:r>
+            <a:r>
+              <a:rPr lang="nl-BE" b="0" i="0" dirty="0">
+                <a:solidFill>
+                  <a:srgbClr val="E83E8C"/>
+                </a:solidFill>
+                <a:effectLst/>
+                <a:latin typeface="Courier New" panose="02070309020205020404" pitchFamily="49" charset="0"/>
+              </a:rPr>
+              <a:t>.</a:t>
+            </a:r>
+            <a:r>
+              <a:rPr lang="en-US" dirty="0" err="1">
+                <a:solidFill>
+                  <a:srgbClr val="0D0D0D"/>
+                </a:solidFill>
+                <a:latin typeface="Söhne"/>
+                <a:sym typeface="Wingdings" panose="05000000000000000000" pitchFamily="2" charset="2"/>
+              </a:rPr>
+              <a:t>random_split</a:t>
+            </a:r>
+            <a:endParaRPr lang="en-US" dirty="0">
+              <a:solidFill>
+                <a:srgbClr val="0D0D0D"/>
+              </a:solidFill>
+              <a:latin typeface="Söhne"/>
+              <a:sym typeface="Wingdings" panose="05000000000000000000" pitchFamily="2" charset="2"/>
+            </a:endParaRPr>
+          </a:p>
+          <a:p>
+            <a:pPr marL="342900" indent="-342900">
+              <a:buFont typeface="Arial" panose="020B0604020202020204" pitchFamily="34" charset="0"/>
+              <a:buChar char="•"/>
+            </a:pPr>
+            <a:r>
+              <a:rPr lang="en-US" dirty="0">
+                <a:solidFill>
+                  <a:srgbClr val="0D0D0D"/>
+                </a:solidFill>
+                <a:latin typeface="Söhne"/>
+                <a:sym typeface="Wingdings" panose="05000000000000000000" pitchFamily="2" charset="2"/>
+              </a:rPr>
+              <a:t>Function evaluate()  </a:t>
+            </a:r>
+            <a:r>
+              <a:rPr lang="fr-FR" dirty="0" err="1">
+                <a:solidFill>
+                  <a:srgbClr val="0D0D0D"/>
+                </a:solidFill>
+                <a:latin typeface="Söhne"/>
+                <a:sym typeface="Wingdings" panose="05000000000000000000" pitchFamily="2" charset="2"/>
+              </a:rPr>
+              <a:t>cpu_device</a:t>
+            </a:r>
+            <a:r>
+              <a:rPr lang="fr-FR" dirty="0">
+                <a:solidFill>
+                  <a:srgbClr val="0D0D0D"/>
+                </a:solidFill>
+                <a:latin typeface="Söhne"/>
+                <a:sym typeface="Wingdings" panose="05000000000000000000" pitchFamily="2" charset="2"/>
+              </a:rPr>
+              <a:t> = </a:t>
+            </a:r>
+            <a:r>
+              <a:rPr lang="fr-FR" dirty="0" err="1">
+                <a:solidFill>
+                  <a:srgbClr val="0D0D0D"/>
+                </a:solidFill>
+                <a:latin typeface="Söhne"/>
+                <a:sym typeface="Wingdings" panose="05000000000000000000" pitchFamily="2" charset="2"/>
+              </a:rPr>
+              <a:t>torch.device</a:t>
+            </a:r>
+            <a:r>
+              <a:rPr lang="fr-FR" dirty="0">
+                <a:solidFill>
+                  <a:srgbClr val="0D0D0D"/>
+                </a:solidFill>
+                <a:latin typeface="Söhne"/>
+                <a:sym typeface="Wingdings" panose="05000000000000000000" pitchFamily="2" charset="2"/>
+              </a:rPr>
+              <a:t>("</a:t>
+            </a:r>
+            <a:r>
+              <a:rPr lang="fr-FR" dirty="0" err="1">
+                <a:solidFill>
+                  <a:srgbClr val="0D0D0D"/>
+                </a:solidFill>
+                <a:latin typeface="Söhne"/>
+                <a:sym typeface="Wingdings" panose="05000000000000000000" pitchFamily="2" charset="2"/>
+              </a:rPr>
+              <a:t>cpu</a:t>
+            </a:r>
+            <a:r>
+              <a:rPr lang="fr-FR" dirty="0">
+                <a:solidFill>
+                  <a:srgbClr val="0D0D0D"/>
+                </a:solidFill>
+                <a:latin typeface="Söhne"/>
+                <a:sym typeface="Wingdings" panose="05000000000000000000" pitchFamily="2" charset="2"/>
+              </a:rPr>
+              <a:t>")</a:t>
+            </a:r>
+            <a:r>
+              <a:rPr lang="en-US" dirty="0">
+                <a:solidFill>
+                  <a:srgbClr val="0D0D0D"/>
+                </a:solidFill>
+                <a:latin typeface="Söhne"/>
+                <a:sym typeface="Wingdings" panose="05000000000000000000" pitchFamily="2" charset="2"/>
+              </a:rPr>
+              <a:t> Why?</a:t>
+            </a:r>
+          </a:p>
+          <a:p>
+            <a:pPr marL="342900" indent="-342900">
+              <a:buFont typeface="Arial" panose="020B0604020202020204" pitchFamily="34" charset="0"/>
+              <a:buChar char="•"/>
+            </a:pPr>
+            <a:r>
+              <a:rPr lang="en-US" dirty="0">
+                <a:solidFill>
+                  <a:srgbClr val="0D0D0D"/>
+                </a:solidFill>
+                <a:latin typeface="Söhne"/>
+                <a:sym typeface="Wingdings" panose="05000000000000000000" pitchFamily="2" charset="2"/>
+              </a:rPr>
+              <a:t>Impact </a:t>
+            </a:r>
+            <a:r>
+              <a:rPr lang="en-US" dirty="0" err="1">
+                <a:solidFill>
+                  <a:srgbClr val="0D0D0D"/>
+                </a:solidFill>
+                <a:latin typeface="Söhne"/>
+                <a:sym typeface="Wingdings" panose="05000000000000000000" pitchFamily="2" charset="2"/>
+              </a:rPr>
+              <a:t>batch_size</a:t>
+            </a:r>
+            <a:r>
+              <a:rPr lang="en-US" dirty="0">
+                <a:solidFill>
+                  <a:srgbClr val="0D0D0D"/>
+                </a:solidFill>
+                <a:latin typeface="Söhne"/>
+                <a:sym typeface="Wingdings" panose="05000000000000000000" pitchFamily="2" charset="2"/>
+              </a:rPr>
+              <a:t>, now = 2</a:t>
+            </a:r>
+          </a:p>
+          <a:p>
+            <a:pPr marL="342900" indent="-342900">
+              <a:buFont typeface="Arial" panose="020B0604020202020204" pitchFamily="34" charset="0"/>
+              <a:buChar char="•"/>
+            </a:pPr>
+            <a:r>
+              <a:rPr lang="en-US" dirty="0">
+                <a:solidFill>
+                  <a:srgbClr val="0D0D0D"/>
+                </a:solidFill>
+                <a:latin typeface="Söhne"/>
+                <a:sym typeface="Wingdings" panose="05000000000000000000" pitchFamily="2" charset="2"/>
+              </a:rPr>
+              <a:t>I cannot execute more than 0 </a:t>
+            </a:r>
+            <a:r>
+              <a:rPr lang="en-US" dirty="0" err="1">
+                <a:solidFill>
+                  <a:srgbClr val="0D0D0D"/>
+                </a:solidFill>
+                <a:latin typeface="Söhne"/>
+                <a:sym typeface="Wingdings" panose="05000000000000000000" pitchFamily="2" charset="2"/>
+              </a:rPr>
+              <a:t>num_workers</a:t>
+            </a:r>
+            <a:br>
+              <a:rPr lang="en-US" dirty="0">
+                <a:solidFill>
+                  <a:srgbClr val="0D0D0D"/>
+                </a:solidFill>
+                <a:latin typeface="Söhne"/>
+                <a:sym typeface="Wingdings" panose="05000000000000000000" pitchFamily="2" charset="2"/>
+              </a:rPr>
+            </a:br>
+            <a:endParaRPr lang="en-US" dirty="0">
+              <a:solidFill>
+                <a:srgbClr val="0D0D0D"/>
+              </a:solidFill>
+              <a:latin typeface="Söhne"/>
+              <a:sym typeface="Wingdings" panose="05000000000000000000" pitchFamily="2" charset="2"/>
+            </a:endParaRPr>
+          </a:p>
+          <a:p>
+            <a:pPr marL="342900" indent="-342900">
+              <a:buFont typeface="Arial" panose="020B0604020202020204" pitchFamily="34" charset="0"/>
+              <a:buChar char="•"/>
+            </a:pPr>
+            <a:r>
+              <a:rPr lang="en-US" dirty="0">
+                <a:solidFill>
+                  <a:srgbClr val="0D0D0D"/>
+                </a:solidFill>
+                <a:latin typeface="Söhne"/>
+                <a:sym typeface="Wingdings" panose="05000000000000000000" pitchFamily="2" charset="2"/>
+              </a:rPr>
+              <a:t>How to interpret the results?</a:t>
+            </a:r>
+            <a:br>
+              <a:rPr lang="en-US" dirty="0">
+                <a:solidFill>
+                  <a:srgbClr val="0D0D0D"/>
+                </a:solidFill>
+                <a:latin typeface="Söhne"/>
+                <a:sym typeface="Wingdings" panose="05000000000000000000" pitchFamily="2" charset="2"/>
+              </a:rPr>
+            </a:br>
+            <a:endParaRPr lang="en-US" dirty="0">
+              <a:solidFill>
+                <a:srgbClr val="0D0D0D"/>
+              </a:solidFill>
+              <a:latin typeface="Söhne"/>
+              <a:sym typeface="Wingdings" panose="05000000000000000000" pitchFamily="2" charset="2"/>
+            </a:endParaRPr>
+          </a:p>
+          <a:p>
+            <a:pPr marL="342900" indent="-342900">
+              <a:buFont typeface="Arial" panose="020B0604020202020204" pitchFamily="34" charset="0"/>
+              <a:buChar char="•"/>
+            </a:pPr>
+            <a:r>
+              <a:rPr lang="en-US">
+                <a:solidFill>
+                  <a:srgbClr val="0D0D0D"/>
+                </a:solidFill>
+                <a:latin typeface="Söhne"/>
+                <a:sym typeface="Wingdings" panose="05000000000000000000" pitchFamily="2" charset="2"/>
+              </a:rPr>
+              <a:t>How to refine the model?</a:t>
+            </a:r>
+            <a:endParaRPr lang="nl-BE" dirty="0"/>
+          </a:p>
+        </p:txBody>
+      </p:sp>
+    </p:spTree>
+    <p:extLst>
+      <p:ext uri="{BB962C8B-B14F-4D97-AF65-F5344CB8AC3E}">
+        <p14:creationId xmlns:p14="http://schemas.microsoft.com/office/powerpoint/2010/main" val="3101202305"/>
+      </p:ext>
+    </p:extLst>
+  </p:cSld>
+  <p:clrMapOvr>
+    <a:masterClrMapping/>
+  </p:clrMapOvr>
+</p:sld>
+</file>
+
+<file path=ppt/slides/slide14.xml><?xml version="1.0" encoding="utf-8"?>
+<p:sld xmlns:a="http://schemas.openxmlformats.org/drawingml/2006/main" xmlns:r="http://schemas.openxmlformats.org/officeDocument/2006/relationships" xmlns:p="http://schemas.openxmlformats.org/presentationml/2006/main">
+  <p:cSld>
+    <p:spTree>
+      <p:nvGrpSpPr>
+        <p:cNvPr id="1" name=""/>
+        <p:cNvGrpSpPr/>
+        <p:nvPr/>
+      </p:nvGrpSpPr>
+      <p:grpSpPr>
+        <a:xfrm>
+          <a:off x="0" y="0"/>
+          <a:ext cx="0" cy="0"/>
+          <a:chOff x="0" y="0"/>
+          <a:chExt cx="0" cy="0"/>
+        </a:xfrm>
+      </p:grpSpPr>
+      <p:sp>
+        <p:nvSpPr>
+          <p:cNvPr id="2" name="Title 1">
+            <a:extLst>
+              <a:ext uri="{FF2B5EF4-FFF2-40B4-BE49-F238E27FC236}">
+                <a16:creationId xmlns:a16="http://schemas.microsoft.com/office/drawing/2014/main" id="{7DAAD1C6-EC0B-1833-07E9-D0D477895D5E}"/>
+              </a:ext>
+            </a:extLst>
+          </p:cNvPr>
+          <p:cNvSpPr>
+            <a:spLocks noGrp="1"/>
+          </p:cNvSpPr>
+          <p:nvPr>
+            <p:ph type="title"/>
+          </p:nvPr>
+        </p:nvSpPr>
+        <p:spPr>
+          <a:xfrm>
+            <a:off x="111279" y="34290"/>
+            <a:ext cx="6816743" cy="482241"/>
+          </a:xfrm>
+        </p:spPr>
+        <p:txBody>
+          <a:bodyPr/>
+          <a:lstStyle/>
+          <a:p>
+            <a:r>
+              <a:rPr lang="en-BE" dirty="0">
+                <a:solidFill>
+                  <a:schemeClr val="bg1"/>
+                </a:solidFill>
+              </a:rPr>
+              <a:t>   </a:t>
+            </a:r>
+            <a:r>
+              <a:rPr lang="nl-BE" dirty="0">
+                <a:solidFill>
+                  <a:schemeClr val="bg1"/>
+                </a:solidFill>
+              </a:rPr>
+              <a:t>9</a:t>
+            </a:r>
+            <a:r>
+              <a:rPr lang="en-BE" dirty="0">
+                <a:solidFill>
+                  <a:schemeClr val="bg1"/>
+                </a:solidFill>
+              </a:rPr>
+              <a:t>. </a:t>
+            </a:r>
+            <a:r>
+              <a:rPr lang="nl-BE" dirty="0" err="1">
+                <a:solidFill>
+                  <a:schemeClr val="bg1"/>
+                </a:solidFill>
+              </a:rPr>
+              <a:t>Errors</a:t>
+            </a:r>
+            <a:endParaRPr lang="nl-BE" dirty="0">
+              <a:solidFill>
+                <a:schemeClr val="bg1"/>
+              </a:solidFill>
+            </a:endParaRPr>
+          </a:p>
+        </p:txBody>
+      </p:sp>
+      <p:sp>
+        <p:nvSpPr>
+          <p:cNvPr id="3" name="Tijdelijke aanduiding voor inhoud 2">
+            <a:extLst>
+              <a:ext uri="{FF2B5EF4-FFF2-40B4-BE49-F238E27FC236}">
+                <a16:creationId xmlns:a16="http://schemas.microsoft.com/office/drawing/2014/main" id="{F1092799-D430-7E02-F377-1AEA93613EC7}"/>
+              </a:ext>
+            </a:extLst>
+          </p:cNvPr>
+          <p:cNvSpPr txBox="1">
+            <a:spLocks/>
+          </p:cNvSpPr>
+          <p:nvPr/>
+        </p:nvSpPr>
+        <p:spPr>
+          <a:xfrm>
+            <a:off x="625956" y="1703693"/>
+            <a:ext cx="10932770" cy="4386389"/>
+          </a:xfrm>
+          <a:prstGeom prst="rect">
+            <a:avLst/>
+          </a:prstGeom>
+        </p:spPr>
+        <p:txBody>
+          <a:bodyPr>
+            <a:normAutofit/>
+          </a:bodyPr>
+          <a:lstStyle>
+            <a:lvl1pPr marL="0" indent="0" algn="l" defTabSz="914400" rtl="0" eaLnBrk="1" latinLnBrk="0" hangingPunct="1">
+              <a:lnSpc>
+                <a:spcPct val="100000"/>
+              </a:lnSpc>
+              <a:spcBef>
+                <a:spcPts val="0"/>
+              </a:spcBef>
+              <a:spcAft>
+                <a:spcPts val="600"/>
+              </a:spcAft>
+              <a:buFont typeface="Arial" panose="020B0604020202020204" pitchFamily="34" charset="0"/>
+              <a:buNone/>
+              <a:defRPr sz="2000" kern="1200" baseline="0">
+                <a:solidFill>
+                  <a:schemeClr val="tx1"/>
+                </a:solidFill>
+                <a:latin typeface="+mn-lt"/>
+                <a:ea typeface="+mn-ea"/>
+                <a:cs typeface="+mn-cs"/>
+              </a:defRPr>
+            </a:lvl1pPr>
+            <a:lvl2pPr marL="177800" indent="-177800" algn="l" defTabSz="914400" rtl="0" eaLnBrk="1" latinLnBrk="0" hangingPunct="1">
+              <a:lnSpc>
+                <a:spcPct val="100000"/>
+              </a:lnSpc>
+              <a:spcBef>
+                <a:spcPts val="0"/>
+              </a:spcBef>
+              <a:spcAft>
+                <a:spcPts val="600"/>
+              </a:spcAft>
+              <a:buClr>
+                <a:schemeClr val="accent1"/>
+              </a:buClr>
+              <a:buFont typeface="Wingdings" panose="05000000000000000000" pitchFamily="2" charset="2"/>
+              <a:buChar char="§"/>
+              <a:defRPr sz="1800" kern="1200" baseline="0">
+                <a:solidFill>
+                  <a:schemeClr val="tx1"/>
+                </a:solidFill>
+                <a:latin typeface="+mn-lt"/>
+                <a:ea typeface="+mn-ea"/>
+                <a:cs typeface="+mn-cs"/>
+              </a:defRPr>
+            </a:lvl2pPr>
+            <a:lvl3pPr marL="361950" indent="-184150" algn="l" defTabSz="914400" rtl="0" eaLnBrk="1" latinLnBrk="0" hangingPunct="1">
+              <a:lnSpc>
+                <a:spcPct val="100000"/>
+              </a:lnSpc>
+              <a:spcBef>
+                <a:spcPts val="0"/>
+              </a:spcBef>
+              <a:spcAft>
+                <a:spcPts val="600"/>
+              </a:spcAft>
+              <a:buClr>
+                <a:schemeClr val="accent2"/>
+              </a:buClr>
+              <a:buFont typeface="Arial" panose="020B0604020202020204" pitchFamily="34" charset="0"/>
+              <a:buChar char="•"/>
+              <a:defRPr sz="1600" kern="1200" baseline="0">
+                <a:solidFill>
+                  <a:schemeClr val="tx1"/>
+                </a:solidFill>
+                <a:latin typeface="+mn-lt"/>
+                <a:ea typeface="+mn-ea"/>
+                <a:cs typeface="+mn-cs"/>
+              </a:defRPr>
+            </a:lvl3pPr>
+            <a:lvl4pPr marL="539750" indent="-177800" algn="l" defTabSz="914400" rtl="0" eaLnBrk="1" latinLnBrk="0" hangingPunct="1">
+              <a:lnSpc>
+                <a:spcPct val="100000"/>
+              </a:lnSpc>
+              <a:spcBef>
+                <a:spcPts val="0"/>
+              </a:spcBef>
+              <a:spcAft>
+                <a:spcPts val="600"/>
+              </a:spcAft>
+              <a:buClr>
+                <a:schemeClr val="tx1"/>
+              </a:buClr>
+              <a:buFont typeface="Ubuntu" panose="020B0504030602030204" pitchFamily="34" charset="0"/>
+              <a:buChar char="–"/>
+              <a:defRPr sz="1400" kern="1200" baseline="0">
+                <a:solidFill>
+                  <a:schemeClr val="tx1"/>
+                </a:solidFill>
+                <a:latin typeface="+mn-lt"/>
+                <a:ea typeface="+mn-ea"/>
+                <a:cs typeface="+mn-cs"/>
+              </a:defRPr>
+            </a:lvl4pPr>
+            <a:lvl5pPr marL="717550" indent="-177800" algn="l" defTabSz="914400" rtl="0" eaLnBrk="1" latinLnBrk="0" hangingPunct="1">
+              <a:lnSpc>
+                <a:spcPct val="100000"/>
+              </a:lnSpc>
+              <a:spcBef>
+                <a:spcPts val="0"/>
+              </a:spcBef>
+              <a:spcAft>
+                <a:spcPts val="600"/>
+              </a:spcAft>
+              <a:buClr>
+                <a:schemeClr val="accent3"/>
+              </a:buClr>
+              <a:buFont typeface="Arial" panose="020B0604020202020204" pitchFamily="34" charset="0"/>
+              <a:buChar char="•"/>
+              <a:defRPr sz="1400" kern="1200" baseline="0">
+                <a:solidFill>
+                  <a:schemeClr val="tx1"/>
+                </a:solidFill>
+                <a:latin typeface="+mn-lt"/>
+                <a:ea typeface="+mn-ea"/>
+                <a:cs typeface="+mn-cs"/>
+              </a:defRPr>
+            </a:lvl5pPr>
+            <a:lvl6pPr marL="2514600" indent="-228600" algn="l" defTabSz="914400" rtl="0" eaLnBrk="1" latinLnBrk="0" hangingPunct="1">
+              <a:lnSpc>
+                <a:spcPct val="90000"/>
+              </a:lnSpc>
+              <a:spcBef>
+                <a:spcPts val="500"/>
+              </a:spcBef>
+              <a:buFont typeface="Arial" panose="020B0604020202020204" pitchFamily="34" charset="0"/>
+              <a:buChar char="•"/>
+              <a:defRPr sz="1800" kern="1200">
+                <a:solidFill>
+                  <a:schemeClr val="tx1"/>
+                </a:solidFill>
+                <a:latin typeface="+mn-lt"/>
+                <a:ea typeface="+mn-ea"/>
+                <a:cs typeface="+mn-cs"/>
+              </a:defRPr>
+            </a:lvl6pPr>
+            <a:lvl7pPr marL="2971800" indent="-228600" algn="l" defTabSz="914400" rtl="0" eaLnBrk="1" latinLnBrk="0" hangingPunct="1">
+              <a:lnSpc>
+                <a:spcPct val="90000"/>
+              </a:lnSpc>
+              <a:spcBef>
+                <a:spcPts val="500"/>
+              </a:spcBef>
+              <a:buFont typeface="Arial" panose="020B0604020202020204" pitchFamily="34" charset="0"/>
+              <a:buChar char="•"/>
+              <a:defRPr sz="1800" kern="1200">
+                <a:solidFill>
+                  <a:schemeClr val="tx1"/>
+                </a:solidFill>
+                <a:latin typeface="+mn-lt"/>
+                <a:ea typeface="+mn-ea"/>
+                <a:cs typeface="+mn-cs"/>
+              </a:defRPr>
+            </a:lvl7pPr>
+            <a:lvl8pPr marL="3429000" indent="-228600" algn="l" defTabSz="914400" rtl="0" eaLnBrk="1" latinLnBrk="0" hangingPunct="1">
+              <a:lnSpc>
+                <a:spcPct val="90000"/>
+              </a:lnSpc>
+              <a:spcBef>
+                <a:spcPts val="500"/>
+              </a:spcBef>
+              <a:buFont typeface="Arial" panose="020B0604020202020204" pitchFamily="34" charset="0"/>
+              <a:buChar char="•"/>
+              <a:defRPr sz="1800" kern="1200">
+                <a:solidFill>
+                  <a:schemeClr val="tx1"/>
+                </a:solidFill>
+                <a:latin typeface="+mn-lt"/>
+                <a:ea typeface="+mn-ea"/>
+                <a:cs typeface="+mn-cs"/>
+              </a:defRPr>
+            </a:lvl8pPr>
+            <a:lvl9pPr marL="3886200" indent="-228600" algn="l" defTabSz="914400" rtl="0" eaLnBrk="1" latinLnBrk="0" hangingPunct="1">
+              <a:lnSpc>
+                <a:spcPct val="90000"/>
+              </a:lnSpc>
+              <a:spcBef>
+                <a:spcPts val="500"/>
+              </a:spcBef>
+              <a:buFont typeface="Arial" panose="020B0604020202020204" pitchFamily="34" charset="0"/>
+              <a:buChar char="•"/>
+              <a:defRPr sz="1800" kern="1200">
+                <a:solidFill>
+                  <a:schemeClr val="tx1"/>
+                </a:solidFill>
+                <a:latin typeface="+mn-lt"/>
+                <a:ea typeface="+mn-ea"/>
+                <a:cs typeface="+mn-cs"/>
+              </a:defRPr>
+            </a:lvl9pPr>
+          </a:lstStyle>
+          <a:p>
+            <a:pPr algn="l"/>
+            <a:endParaRPr lang="en-US" b="0" i="0" dirty="0">
+              <a:solidFill>
+                <a:srgbClr val="FF0000"/>
+              </a:solidFill>
+              <a:effectLst/>
+              <a:latin typeface="Söhne"/>
+            </a:endParaRPr>
+          </a:p>
+          <a:p>
+            <a:r>
+              <a:rPr lang="nl-BE" dirty="0"/>
+              <a:t> </a:t>
+            </a:r>
+          </a:p>
+        </p:txBody>
+      </p:sp>
+      <p:pic>
+        <p:nvPicPr>
+          <p:cNvPr id="5" name="Afbeelding 4">
+            <a:extLst>
+              <a:ext uri="{FF2B5EF4-FFF2-40B4-BE49-F238E27FC236}">
+                <a16:creationId xmlns:a16="http://schemas.microsoft.com/office/drawing/2014/main" id="{EEE4E7B3-8B35-F6A9-BDFF-7AC3D88E2AA5}"/>
+              </a:ext>
+            </a:extLst>
+          </p:cNvPr>
+          <p:cNvPicPr>
+            <a:picLocks noChangeAspect="1"/>
+          </p:cNvPicPr>
+          <p:nvPr/>
+        </p:nvPicPr>
+        <p:blipFill>
+          <a:blip r:embed="rId2"/>
+          <a:stretch>
+            <a:fillRect/>
+          </a:stretch>
+        </p:blipFill>
+        <p:spPr>
+          <a:xfrm>
+            <a:off x="207146" y="1652188"/>
+            <a:ext cx="4305901" cy="342948"/>
+          </a:xfrm>
+          <a:prstGeom prst="rect">
+            <a:avLst/>
+          </a:prstGeom>
+        </p:spPr>
+      </p:pic>
+      <p:pic>
+        <p:nvPicPr>
+          <p:cNvPr id="7" name="Afbeelding 6">
+            <a:extLst>
+              <a:ext uri="{FF2B5EF4-FFF2-40B4-BE49-F238E27FC236}">
+                <a16:creationId xmlns:a16="http://schemas.microsoft.com/office/drawing/2014/main" id="{44913A74-DCA2-4CD9-1A0E-675DE66DBAFB}"/>
+              </a:ext>
+            </a:extLst>
+          </p:cNvPr>
+          <p:cNvPicPr>
+            <a:picLocks noChangeAspect="1"/>
+          </p:cNvPicPr>
+          <p:nvPr/>
+        </p:nvPicPr>
+        <p:blipFill>
+          <a:blip r:embed="rId3"/>
+          <a:stretch>
+            <a:fillRect/>
+          </a:stretch>
+        </p:blipFill>
+        <p:spPr>
+          <a:xfrm>
+            <a:off x="292963" y="2254928"/>
+            <a:ext cx="11759009" cy="3721276"/>
+          </a:xfrm>
+          <a:prstGeom prst="rect">
+            <a:avLst/>
+          </a:prstGeom>
+        </p:spPr>
+      </p:pic>
+      <p:sp>
+        <p:nvSpPr>
+          <p:cNvPr id="8" name="Tekstvak 7">
+            <a:extLst>
+              <a:ext uri="{FF2B5EF4-FFF2-40B4-BE49-F238E27FC236}">
+                <a16:creationId xmlns:a16="http://schemas.microsoft.com/office/drawing/2014/main" id="{3DEF6CF9-EECF-B172-7FC2-7A30AAA38C51}"/>
+              </a:ext>
+            </a:extLst>
+          </p:cNvPr>
+          <p:cNvSpPr txBox="1"/>
+          <p:nvPr/>
+        </p:nvSpPr>
+        <p:spPr>
+          <a:xfrm>
+            <a:off x="5236883" y="1652188"/>
+            <a:ext cx="5598007" cy="307777"/>
+          </a:xfrm>
+          <a:prstGeom prst="rect">
+            <a:avLst/>
+          </a:prstGeom>
+          <a:noFill/>
+        </p:spPr>
+        <p:txBody>
+          <a:bodyPr wrap="none" rtlCol="0">
+            <a:spAutoFit/>
+          </a:bodyPr>
+          <a:lstStyle/>
+          <a:p>
+            <a:r>
+              <a:rPr lang="nl-BE" sz="1400" dirty="0" err="1"/>
+              <a:t>Tempory</a:t>
+            </a:r>
+            <a:r>
+              <a:rPr lang="nl-BE" sz="1400" dirty="0"/>
+              <a:t> solution </a:t>
+            </a:r>
+            <a:r>
+              <a:rPr lang="nl-BE" sz="1400" dirty="0">
+                <a:sym typeface="Wingdings" panose="05000000000000000000" pitchFamily="2" charset="2"/>
+              </a:rPr>
+              <a:t> </a:t>
+            </a:r>
+            <a:r>
+              <a:rPr lang="en-US" sz="1400" dirty="0" err="1">
+                <a:sym typeface="Wingdings" panose="05000000000000000000" pitchFamily="2" charset="2"/>
+              </a:rPr>
+              <a:t>ImageFile.LOAD_TRUNCATED_IMAGES</a:t>
+            </a:r>
+            <a:r>
+              <a:rPr lang="en-US" sz="1400" dirty="0">
+                <a:sym typeface="Wingdings" panose="05000000000000000000" pitchFamily="2" charset="2"/>
+              </a:rPr>
+              <a:t> = True</a:t>
+            </a:r>
+            <a:endParaRPr lang="nl-BE" sz="1400" dirty="0"/>
+          </a:p>
+        </p:txBody>
+      </p:sp>
+      <p:sp>
+        <p:nvSpPr>
+          <p:cNvPr id="9" name="Tekstvak 8">
+            <a:extLst>
+              <a:ext uri="{FF2B5EF4-FFF2-40B4-BE49-F238E27FC236}">
+                <a16:creationId xmlns:a16="http://schemas.microsoft.com/office/drawing/2014/main" id="{79FD641C-7CF0-C338-52E8-1B547DB98751}"/>
+              </a:ext>
+            </a:extLst>
+          </p:cNvPr>
+          <p:cNvSpPr txBox="1"/>
+          <p:nvPr/>
+        </p:nvSpPr>
+        <p:spPr>
+          <a:xfrm>
+            <a:off x="7468364" y="3807789"/>
+            <a:ext cx="2239716" cy="307777"/>
+          </a:xfrm>
+          <a:prstGeom prst="rect">
+            <a:avLst/>
+          </a:prstGeom>
+          <a:noFill/>
+        </p:spPr>
+        <p:txBody>
+          <a:bodyPr wrap="none" rtlCol="0">
+            <a:spAutoFit/>
+          </a:bodyPr>
+          <a:lstStyle/>
+          <a:p>
+            <a:r>
+              <a:rPr lang="nl-BE" sz="1400" dirty="0"/>
+              <a:t>Solution</a:t>
+            </a:r>
+            <a:r>
+              <a:rPr lang="nl-BE" sz="1400" dirty="0">
+                <a:sym typeface="Wingdings" panose="05000000000000000000" pitchFamily="2" charset="2"/>
+              </a:rPr>
+              <a:t> </a:t>
+            </a:r>
+            <a:r>
+              <a:rPr lang="en-US" sz="1400" dirty="0">
+                <a:sym typeface="Wingdings" panose="05000000000000000000" pitchFamily="2" charset="2"/>
+              </a:rPr>
+              <a:t>Restart kernel</a:t>
+            </a:r>
+            <a:endParaRPr lang="nl-BE" sz="1400" dirty="0"/>
+          </a:p>
+        </p:txBody>
+      </p:sp>
+    </p:spTree>
+    <p:extLst>
+      <p:ext uri="{BB962C8B-B14F-4D97-AF65-F5344CB8AC3E}">
+        <p14:creationId xmlns:p14="http://schemas.microsoft.com/office/powerpoint/2010/main" val="4059515763"/>
       </p:ext>
     </p:extLst>
   </p:cSld>
@@ -25637,6 +27192,21 @@
 </file>
 
 <file path=customXml/item1.xml><?xml version="1.0" encoding="utf-8"?>
+<?mso-contentType ?>
+<FormTemplates xmlns="http://schemas.microsoft.com/sharepoint/v3/contenttype/forms">
+  <Display>DocumentLibraryForm</Display>
+  <Edit>DocumentLibraryForm</Edit>
+  <New>DocumentLibraryForm</New>
+</FormTemplates>
+</file>
+
+<file path=customXml/item2.xml><?xml version="1.0" encoding="utf-8"?>
+<p:properties xmlns:p="http://schemas.microsoft.com/office/2006/metadata/properties" xmlns:xsi="http://www.w3.org/2001/XMLSchema-instance" xmlns:pc="http://schemas.microsoft.com/office/infopath/2007/PartnerControls">
+  <documentManagement/>
+</p:properties>
+</file>
+
+<file path=customXml/item3.xml><?xml version="1.0" encoding="utf-8"?>
 <ct:contentTypeSchema xmlns:ct="http://schemas.microsoft.com/office/2006/metadata/contentType" xmlns:ma="http://schemas.microsoft.com/office/2006/metadata/properties/metaAttributes" ct:_="" ma:_="" ma:contentTypeName="Document" ma:contentTypeID="0x0101007024E8B69B0C0342B3070D933EBA2430" ma:contentTypeVersion="4" ma:contentTypeDescription="Create a new document." ma:contentTypeScope="" ma:versionID="0fde9c0f97483817a1dcd702581a752a">
   <xsd:schema xmlns:xsd="http://www.w3.org/2001/XMLSchema" xmlns:xs="http://www.w3.org/2001/XMLSchema" xmlns:p="http://schemas.microsoft.com/office/2006/metadata/properties" xmlns:ns2="867ce23b-f231-47bf-bccd-3218aa3f2cf8" targetNamespace="http://schemas.microsoft.com/office/2006/metadata/properties" ma:root="true" ma:fieldsID="e0d16638531cd032922e4c2bf7476503" ns2:_="">
     <xsd:import namespace="867ce23b-f231-47bf-bccd-3218aa3f2cf8"/>
@@ -25780,35 +27350,10 @@
 </ct:contentTypeSchema>
 </file>
 
-<file path=customXml/item2.xml><?xml version="1.0" encoding="utf-8"?>
-<p:properties xmlns:p="http://schemas.microsoft.com/office/2006/metadata/properties" xmlns:xsi="http://www.w3.org/2001/XMLSchema-instance" xmlns:pc="http://schemas.microsoft.com/office/infopath/2007/PartnerControls">
-  <documentManagement/>
-</p:properties>
-</file>
-
-<file path=customXml/item3.xml><?xml version="1.0" encoding="utf-8"?>
-<?mso-contentType ?>
-<FormTemplates xmlns="http://schemas.microsoft.com/sharepoint/v3/contenttype/forms">
-  <Display>DocumentLibraryForm</Display>
-  <Edit>DocumentLibraryForm</Edit>
-  <New>DocumentLibraryForm</New>
-</FormTemplates>
-</file>
-
 <file path=customXml/itemProps1.xml><?xml version="1.0" encoding="utf-8"?>
-<ds:datastoreItem xmlns:ds="http://schemas.openxmlformats.org/officeDocument/2006/customXml" ds:itemID="{03105162-7085-4888-B16C-1FD94369B212}">
+<ds:datastoreItem xmlns:ds="http://schemas.openxmlformats.org/officeDocument/2006/customXml" ds:itemID="{DE8F7557-7261-47B3-BBC5-2DBE3A9EE00D}">
   <ds:schemaRefs>
-    <ds:schemaRef ds:uri="http://schemas.microsoft.com/office/2006/metadata/contentType"/>
-    <ds:schemaRef ds:uri="http://schemas.microsoft.com/office/2006/metadata/properties/metaAttributes"/>
-    <ds:schemaRef ds:uri="http://www.w3.org/2001/XMLSchema"/>
-    <ds:schemaRef ds:uri="http://schemas.microsoft.com/office/2006/metadata/properties"/>
-    <ds:schemaRef ds:uri="867ce23b-f231-47bf-bccd-3218aa3f2cf8"/>
-    <ds:schemaRef ds:uri="http://schemas.microsoft.com/office/2006/documentManagement/types"/>
-    <ds:schemaRef ds:uri="http://schemas.microsoft.com/office/infopath/2007/PartnerControls"/>
-    <ds:schemaRef ds:uri="http://schemas.openxmlformats.org/package/2006/metadata/core-properties"/>
-    <ds:schemaRef ds:uri="http://purl.org/dc/elements/1.1/"/>
-    <ds:schemaRef ds:uri="http://purl.org/dc/terms/"/>
-    <ds:schemaRef ds:uri="http://schemas.microsoft.com/internal/obd"/>
+    <ds:schemaRef ds:uri="http://schemas.microsoft.com/sharepoint/v3/contenttype/forms"/>
   </ds:schemaRefs>
 </ds:datastoreItem>
 </file>
@@ -25830,9 +27375,19 @@
 </file>
 
 <file path=customXml/itemProps3.xml><?xml version="1.0" encoding="utf-8"?>
-<ds:datastoreItem xmlns:ds="http://schemas.openxmlformats.org/officeDocument/2006/customXml" ds:itemID="{DE8F7557-7261-47B3-BBC5-2DBE3A9EE00D}">
+<ds:datastoreItem xmlns:ds="http://schemas.openxmlformats.org/officeDocument/2006/customXml" ds:itemID="{03105162-7085-4888-B16C-1FD94369B212}">
   <ds:schemaRefs>
-    <ds:schemaRef ds:uri="http://schemas.microsoft.com/sharepoint/v3/contenttype/forms"/>
+    <ds:schemaRef ds:uri="http://schemas.microsoft.com/office/2006/metadata/contentType"/>
+    <ds:schemaRef ds:uri="http://schemas.microsoft.com/office/2006/metadata/properties/metaAttributes"/>
+    <ds:schemaRef ds:uri="http://www.w3.org/2001/XMLSchema"/>
+    <ds:schemaRef ds:uri="http://schemas.microsoft.com/office/2006/metadata/properties"/>
+    <ds:schemaRef ds:uri="867ce23b-f231-47bf-bccd-3218aa3f2cf8"/>
+    <ds:schemaRef ds:uri="http://schemas.microsoft.com/office/2006/documentManagement/types"/>
+    <ds:schemaRef ds:uri="http://schemas.microsoft.com/office/infopath/2007/PartnerControls"/>
+    <ds:schemaRef ds:uri="http://schemas.openxmlformats.org/package/2006/metadata/core-properties"/>
+    <ds:schemaRef ds:uri="http://purl.org/dc/elements/1.1/"/>
+    <ds:schemaRef ds:uri="http://purl.org/dc/terms/"/>
+    <ds:schemaRef ds:uri="http://schemas.microsoft.com/internal/obd"/>
   </ds:schemaRefs>
 </ds:datastoreItem>
 </file>